--- a/Daily Agendas/Day13.5_Assignment3.pptx
+++ b/Daily Agendas/Day13.5_Assignment3.pptx
@@ -3567,15 +3567,37 @@
             <a:pPr lvl="2"/>
             <a:r>
               <a:rPr lang="en-CA" dirty="0" smtClean="0"/>
-              <a:t>Have your program ready to demo</a:t>
-            </a:r>
+              <a:t>Implement a Key Cipher (Not +3 letter cipher)</a:t>
+            </a:r>
+            <a:endParaRPr lang="en-CA" dirty="0" smtClean="0"/>
           </a:p>
           <a:p>
             <a:pPr lvl="2"/>
             <a:r>
               <a:rPr lang="en-CA" dirty="0" smtClean="0"/>
-              <a:t>Be ready to discuss issues and next steps</a:t>
-            </a:r>
+              <a:t>Call me </a:t>
+            </a:r>
+            <a:r>
+              <a:rPr lang="en-CA" dirty="0" smtClean="0"/>
+              <a:t>when you are r</a:t>
+            </a:r>
+            <a:r>
+              <a:rPr lang="en-CA" dirty="0" smtClean="0"/>
+              <a:t>eady </a:t>
+            </a:r>
+            <a:r>
+              <a:rPr lang="en-CA" dirty="0" smtClean="0"/>
+              <a:t>to </a:t>
+            </a:r>
+            <a:r>
+              <a:rPr lang="en-CA" dirty="0" smtClean="0"/>
+              <a:t>demo </a:t>
+            </a:r>
+            <a:r>
+              <a:rPr lang="en-CA" smtClean="0"/>
+              <a:t>your program</a:t>
+            </a:r>
+            <a:endParaRPr lang="en-CA" dirty="0" smtClean="0"/>
           </a:p>
           <a:p>
             <a:pPr lvl="1"/>
@@ -3597,7 +3619,6 @@
               <a:rPr lang="en-CA" dirty="0" smtClean="0"/>
               <a:t>Use it to verify your Assignment #3 Programs</a:t>
             </a:r>
-            <a:endParaRPr lang="en-CA" dirty="0" smtClean="0"/>
           </a:p>
           <a:p>
             <a:pPr lvl="2"/>
@@ -3804,6 +3825,13 @@
   <p:clrMapOvr>
     <a:masterClrMapping/>
   </p:clrMapOvr>
+  <p:timing>
+    <p:tnLst>
+      <p:par>
+        <p:cTn id="1" dur="indefinite" restart="never" nodeType="tmRoot"/>
+      </p:par>
+    </p:tnLst>
+  </p:timing>
 </p:sld>
 </file>
 
